--- a/docs/diagrams/LogicComponentCommandClassDiagram.pptx
+++ b/docs/diagrams/LogicComponentCommandClassDiagram.pptx
@@ -212,7 +212,7 @@
           <a:p>
             <a:fld id="{F5CC4B3F-88C1-4FFA-B1B6-F41C21DC6924}" type="datetimeFigureOut">
               <a:rPr lang="en-US" smtClean="0"/>
-              <a:t>7/21/17</a:t>
+              <a:t>4/13/18</a:t>
             </a:fld>
             <a:endParaRPr lang="en-US"/>
           </a:p>
@@ -658,7 +658,7 @@
           <a:p>
             <a:fld id="{78C97017-6FC3-485B-9764-EAC9E56C1D49}" type="datetimeFigureOut">
               <a:rPr lang="en-US" smtClean="0"/>
-              <a:t>7/21/17</a:t>
+              <a:t>4/13/18</a:t>
             </a:fld>
             <a:endParaRPr lang="en-US"/>
           </a:p>
@@ -826,7 +826,7 @@
           <a:p>
             <a:fld id="{78C97017-6FC3-485B-9764-EAC9E56C1D49}" type="datetimeFigureOut">
               <a:rPr lang="en-US" smtClean="0"/>
-              <a:t>7/21/17</a:t>
+              <a:t>4/13/18</a:t>
             </a:fld>
             <a:endParaRPr lang="en-US"/>
           </a:p>
@@ -1004,7 +1004,7 @@
           <a:p>
             <a:fld id="{78C97017-6FC3-485B-9764-EAC9E56C1D49}" type="datetimeFigureOut">
               <a:rPr lang="en-US" smtClean="0"/>
-              <a:t>7/21/17</a:t>
+              <a:t>4/13/18</a:t>
             </a:fld>
             <a:endParaRPr lang="en-US"/>
           </a:p>
@@ -1172,7 +1172,7 @@
           <a:p>
             <a:fld id="{78C97017-6FC3-485B-9764-EAC9E56C1D49}" type="datetimeFigureOut">
               <a:rPr lang="en-US" smtClean="0"/>
-              <a:t>7/21/17</a:t>
+              <a:t>4/13/18</a:t>
             </a:fld>
             <a:endParaRPr lang="en-US"/>
           </a:p>
@@ -1417,7 +1417,7 @@
           <a:p>
             <a:fld id="{78C97017-6FC3-485B-9764-EAC9E56C1D49}" type="datetimeFigureOut">
               <a:rPr lang="en-US" smtClean="0"/>
-              <a:t>7/21/17</a:t>
+              <a:t>4/13/18</a:t>
             </a:fld>
             <a:endParaRPr lang="en-US"/>
           </a:p>
@@ -1702,7 +1702,7 @@
           <a:p>
             <a:fld id="{78C97017-6FC3-485B-9764-EAC9E56C1D49}" type="datetimeFigureOut">
               <a:rPr lang="en-US" smtClean="0"/>
-              <a:t>7/21/17</a:t>
+              <a:t>4/13/18</a:t>
             </a:fld>
             <a:endParaRPr lang="en-US"/>
           </a:p>
@@ -2121,7 +2121,7 @@
           <a:p>
             <a:fld id="{78C97017-6FC3-485B-9764-EAC9E56C1D49}" type="datetimeFigureOut">
               <a:rPr lang="en-US" smtClean="0"/>
-              <a:t>7/21/17</a:t>
+              <a:t>4/13/18</a:t>
             </a:fld>
             <a:endParaRPr lang="en-US"/>
           </a:p>
@@ -2238,7 +2238,7 @@
           <a:p>
             <a:fld id="{78C97017-6FC3-485B-9764-EAC9E56C1D49}" type="datetimeFigureOut">
               <a:rPr lang="en-US" smtClean="0"/>
-              <a:t>7/21/17</a:t>
+              <a:t>4/13/18</a:t>
             </a:fld>
             <a:endParaRPr lang="en-US"/>
           </a:p>
@@ -2333,7 +2333,7 @@
           <a:p>
             <a:fld id="{78C97017-6FC3-485B-9764-EAC9E56C1D49}" type="datetimeFigureOut">
               <a:rPr lang="en-US" smtClean="0"/>
-              <a:t>7/21/17</a:t>
+              <a:t>4/13/18</a:t>
             </a:fld>
             <a:endParaRPr lang="en-US"/>
           </a:p>
@@ -2608,7 +2608,7 @@
           <a:p>
             <a:fld id="{78C97017-6FC3-485B-9764-EAC9E56C1D49}" type="datetimeFigureOut">
               <a:rPr lang="en-US" smtClean="0"/>
-              <a:t>7/21/17</a:t>
+              <a:t>4/13/18</a:t>
             </a:fld>
             <a:endParaRPr lang="en-US"/>
           </a:p>
@@ -2860,7 +2860,7 @@
           <a:p>
             <a:fld id="{78C97017-6FC3-485B-9764-EAC9E56C1D49}" type="datetimeFigureOut">
               <a:rPr lang="en-US" smtClean="0"/>
-              <a:t>7/21/17</a:t>
+              <a:t>4/13/18</a:t>
             </a:fld>
             <a:endParaRPr lang="en-US"/>
           </a:p>
@@ -3071,7 +3071,7 @@
           <a:p>
             <a:fld id="{78C97017-6FC3-485B-9764-EAC9E56C1D49}" type="datetimeFigureOut">
               <a:rPr lang="en-US" smtClean="0"/>
-              <a:t>7/21/17</a:t>
+              <a:t>4/13/18</a:t>
             </a:fld>
             <a:endParaRPr lang="en-US"/>
           </a:p>
@@ -3894,12 +3894,12 @@
           <a:p>
             <a:pPr algn="ctr"/>
             <a:r>
-              <a:rPr lang="en-US" sz="1050" b="1" smtClean="0">
+              <a:rPr lang="en-US" sz="1050" b="1" dirty="0" err="1" smtClean="0">
                 <a:solidFill>
                   <a:srgbClr val="0070C0"/>
                 </a:solidFill>
               </a:rPr>
-              <a:t>AddCommand</a:t>
+              <a:t>FilterCommand</a:t>
             </a:r>
             <a:endParaRPr lang="en-US" sz="1050" b="1" dirty="0">
               <a:solidFill>
